--- a/presentations/05-spring-integrations.pptx
+++ b/presentations/05-spring-integrations.pptx
@@ -17586,12 +17586,12 @@
           <a:p>
             <a:pPr lvl="1" algn="just"/>
             <a:r>
-              <a:rPr lang="en-US" sz="1400" dirty="0" smtClean="0"/>
-              <a:t> </a:t>
+              <a:rPr lang="en-US" sz="1400" u="sng" dirty="0" smtClean="0"/>
+              <a:t>reduces </a:t>
             </a:r>
             <a:r>
               <a:rPr lang="en-US" sz="1400" u="sng" dirty="0"/>
-              <a:t>reduces the complexity</a:t>
+              <a:t>the complexity</a:t>
             </a:r>
             <a:r>
               <a:rPr lang="en-US" sz="1400" dirty="0"/>
@@ -17628,14 +17628,14 @@
               <a:t>the concept of publish-subscribe messaging is not new, </a:t>
             </a:r>
             <a:r>
-              <a:rPr lang="en-US" sz="1800" u="sng" dirty="0"/>
+              <a:rPr lang="en-US" sz="1600" b="1" u="sng" dirty="0"/>
               <a:t>Spring Cloud Stream takes the extra step of making it an opinionated choice for its application model</a:t>
             </a:r>
             <a:r>
-              <a:rPr lang="en-US" sz="1800" dirty="0"/>
+              <a:rPr lang="en-US" sz="1600" b="1" dirty="0"/>
               <a:t>. </a:t>
             </a:r>
-            <a:endParaRPr lang="en-US" sz="1800" dirty="0" smtClean="0"/>
+            <a:endParaRPr lang="en-US" sz="1800" b="1" dirty="0" smtClean="0"/>
           </a:p>
           <a:p>
             <a:pPr algn="just"/>
@@ -18080,15 +18080,15 @@
               <a:t>Spring Cloud Stream provides a common abstraction for implementing partitioned processing use cases in a uniform fashion. </a:t>
             </a:r>
             <a:r>
-              <a:rPr lang="en-US" sz="1600" u="sng" dirty="0"/>
+              <a:rPr lang="en-US" sz="1600" b="1" u="sng" dirty="0"/>
               <a:t>Partitioning can thus be used whether the broker itself is naturally partitioned (for example, Kafka) or not (for example, </a:t>
             </a:r>
             <a:r>
-              <a:rPr lang="en-US" sz="1600" u="sng" dirty="0" err="1"/>
+              <a:rPr lang="en-US" sz="1600" b="1" u="sng" dirty="0" err="1"/>
               <a:t>RabbitMQ</a:t>
             </a:r>
             <a:r>
-              <a:rPr lang="en-US" sz="1600" u="sng" dirty="0"/>
+              <a:rPr lang="en-US" sz="1600" b="1" u="sng" dirty="0"/>
               <a:t>).</a:t>
             </a:r>
           </a:p>
@@ -23176,10 +23176,6 @@
           <a:lstStyle/>
           <a:p>
             <a:pPr algn="just"/>
-            <a:endParaRPr lang="en-US" sz="1400" dirty="0" smtClean="0"/>
-          </a:p>
-          <a:p>
-            <a:pPr algn="just"/>
             <a:r>
               <a:rPr lang="en-US" sz="1400" dirty="0" smtClean="0"/>
               <a:t>Spring </a:t>
@@ -23239,6 +23235,7 @@
             <a:endParaRPr lang="en-US" sz="1400" dirty="0"/>
           </a:p>
           <a:p>
+            <a:pPr algn="just"/>
             <a:r>
               <a:rPr lang="en-US" sz="1400" dirty="0"/>
               <a:t>The reactive programming model also uses the @</a:t>
@@ -23253,13 +23250,13 @@
             </a:r>
           </a:p>
           <a:p>
-            <a:pPr marL="0" indent="0">
+            <a:pPr marL="0" indent="0" algn="just">
               <a:buNone/>
             </a:pPr>
             <a:endParaRPr lang="en-US" sz="1400" dirty="0"/>
           </a:p>
           <a:p>
-            <a:pPr lvl="1"/>
+            <a:pPr lvl="1" algn="just"/>
             <a:r>
               <a:rPr lang="en-US" sz="1200" dirty="0"/>
               <a:t>The @</a:t>
@@ -23274,25 +23271,43 @@
             </a:r>
           </a:p>
           <a:p>
-            <a:pPr lvl="1"/>
-            <a:endParaRPr lang="en-US" sz="1200" dirty="0"/>
-          </a:p>
-          <a:p>
-            <a:pPr lvl="1"/>
+            <a:pPr lvl="1" algn="just"/>
+            <a:endParaRPr lang="en-US" sz="1050" dirty="0"/>
+          </a:p>
+          <a:p>
+            <a:pPr lvl="1" algn="just"/>
             <a:r>
               <a:rPr lang="en-US" sz="1200" dirty="0"/>
               <a:t>The arguments of the method must be annotated with @Input and @Output, indicating which input or output the incoming and outgoing data flows connect to, respectively.</a:t>
             </a:r>
           </a:p>
           <a:p>
-            <a:pPr lvl="1"/>
-            <a:endParaRPr lang="en-US" sz="1200" dirty="0"/>
-          </a:p>
-          <a:p>
-            <a:pPr lvl="1"/>
+            <a:pPr lvl="1" algn="just"/>
+            <a:endParaRPr lang="en-US" sz="1000" dirty="0"/>
+          </a:p>
+          <a:p>
+            <a:pPr lvl="1" algn="just"/>
             <a:r>
               <a:rPr lang="en-US" sz="1200" dirty="0"/>
-              <a:t>The return value of the method, if any, is annotated with @Output, indicating the input where data should be sent.</a:t>
+              <a:t>The return value of the method, if any, is annotated with @</a:t>
+            </a:r>
+            <a:r>
+              <a:rPr lang="en-US" sz="1200" dirty="0" smtClean="0"/>
+              <a:t>Output </a:t>
+            </a:r>
+            <a:r>
+              <a:rPr lang="en-US" sz="1200" dirty="0" smtClean="0">
+                <a:sym typeface="Wingdings" panose="05000000000000000000" pitchFamily="2" charset="2"/>
+              </a:rPr>
+              <a:t> Processor</a:t>
+            </a:r>
+            <a:r>
+              <a:rPr lang="en-US" sz="1200" dirty="0" smtClean="0"/>
+              <a:t>, </a:t>
+            </a:r>
+            <a:r>
+              <a:rPr lang="en-US" sz="1200" dirty="0"/>
+              <a:t>indicating the input where data should be sent.</a:t>
             </a:r>
           </a:p>
           <a:p>
@@ -23444,8 +23459,35 @@
             </a:r>
             <a:r>
               <a:rPr lang="en-US" sz="1400" dirty="0"/>
-              <a:t>arguments annotated with @Input, it supports the Reactor Flux type. The parameterization of the inbound Flux follows the same rules as in the case of individual message handling: It can be the entire Message, a POJO that can be the Message payload, or a POJO that is the result of a transformation based on the Message content-type header. Multiple inputs are provided.</a:t>
-            </a:r>
+              <a:t>arguments annotated with @</a:t>
+            </a:r>
+            <a:r>
+              <a:rPr lang="en-US" sz="1400" dirty="0" smtClean="0"/>
+              <a:t>Input </a:t>
+            </a:r>
+            <a:r>
+              <a:rPr lang="en-US" sz="1400" dirty="0" smtClean="0">
+                <a:sym typeface="Wingdings" panose="05000000000000000000" pitchFamily="2" charset="2"/>
+              </a:rPr>
+              <a:t> Sink</a:t>
+            </a:r>
+            <a:r>
+              <a:rPr lang="en-US" sz="1400" dirty="0" smtClean="0"/>
+              <a:t>, </a:t>
+            </a:r>
+            <a:r>
+              <a:rPr lang="en-US" sz="1400" b="1" u="sng" dirty="0"/>
+              <a:t>it supports the Reactor Flux type</a:t>
+            </a:r>
+            <a:r>
+              <a:rPr lang="en-US" sz="1400" dirty="0"/>
+              <a:t>. The parameterization of the inbound Flux follows the same rules as in the case of individual message handling: It can be the entire Message, a POJO that can be the Message payload, or a POJO that is the result of a transformation based on the Message content-type header</a:t>
+            </a:r>
+            <a:r>
+              <a:rPr lang="en-US" sz="1400" dirty="0" smtClean="0"/>
+              <a:t>.</a:t>
+            </a:r>
+            <a:endParaRPr lang="en-US" sz="1400" dirty="0"/>
           </a:p>
           <a:p>
             <a:pPr lvl="1" algn="just"/>
@@ -23455,20 +23497,43 @@
             <a:pPr lvl="1" algn="just"/>
             <a:r>
               <a:rPr lang="en-US" sz="1400" dirty="0"/>
-              <a:t>For arguments annotated with Output, it supports the </a:t>
-            </a:r>
-            <a:r>
-              <a:rPr lang="en-US" sz="1400" dirty="0" err="1"/>
+              <a:t>For arguments annotated with </a:t>
+            </a:r>
+            <a:r>
+              <a:rPr lang="en-US" sz="1400" dirty="0"/>
+              <a:t>@</a:t>
+            </a:r>
+            <a:r>
+              <a:rPr lang="en-US" sz="1400" dirty="0" smtClean="0"/>
+              <a:t>Output </a:t>
+            </a:r>
+            <a:r>
+              <a:rPr lang="en-US" sz="1400" dirty="0" smtClean="0">
+                <a:sym typeface="Wingdings" panose="05000000000000000000" pitchFamily="2" charset="2"/>
+              </a:rPr>
+              <a:t> Source</a:t>
+            </a:r>
+            <a:r>
+              <a:rPr lang="en-US" sz="1400" dirty="0" smtClean="0"/>
+              <a:t>, </a:t>
+            </a:r>
+            <a:r>
+              <a:rPr lang="en-US" sz="1400" b="1" dirty="0"/>
+              <a:t>it supports the </a:t>
+            </a:r>
+            <a:r>
+              <a:rPr lang="en-US" sz="1400" b="1" dirty="0" err="1"/>
               <a:t>FluxSender</a:t>
             </a:r>
             <a:r>
-              <a:rPr lang="en-US" sz="1400" dirty="0"/>
-              <a:t> type, which connects a Flux produced by the method with an output. Generally speaking, specifying outputs as arguments is only recommended when the method can have multiple outputs</a:t>
+              <a:rPr lang="en-US" sz="1400" b="1" dirty="0"/>
+              <a:t> type, which connects a Flux produced by the method with an output</a:t>
             </a:r>
             <a:r>
               <a:rPr lang="en-US" sz="1400" dirty="0" smtClean="0"/>
               <a:t>.</a:t>
             </a:r>
+            <a:endParaRPr lang="en-US" sz="1400" dirty="0" smtClean="0"/>
           </a:p>
           <a:p>
             <a:endParaRPr lang="en-US" sz="1400" b="1" dirty="0" smtClean="0">
@@ -23737,36 +23802,6 @@
             <a:endParaRPr lang="en-US" sz="1400" dirty="0" smtClean="0"/>
           </a:p>
           <a:p>
-            <a:pPr algn="just"/>
-            <a:r>
-              <a:rPr lang="en-US" sz="1400" dirty="0" smtClean="0"/>
-              <a:t>Following </a:t>
-            </a:r>
-            <a:r>
-              <a:rPr lang="en-US" sz="1400" dirty="0"/>
-              <a:t>the same programming model used in @</a:t>
-            </a:r>
-            <a:r>
-              <a:rPr lang="en-US" sz="1400" dirty="0" err="1"/>
-              <a:t>StreamListener</a:t>
-            </a:r>
-            <a:r>
-              <a:rPr lang="en-US" sz="1400" dirty="0"/>
-              <a:t>, @</a:t>
-            </a:r>
-            <a:r>
-              <a:rPr lang="en-US" sz="1400" dirty="0" err="1"/>
-              <a:t>StreamEmitter</a:t>
-            </a:r>
-            <a:r>
-              <a:rPr lang="en-US" sz="1400" dirty="0"/>
-              <a:t> also allows flexible ways of using the @Output annotation, depending on whether the method has any arguments, a return type, and other considerations.</a:t>
-            </a:r>
-            <a:endParaRPr lang="en-US" sz="1400" b="1" dirty="0" smtClean="0">
-              <a:cs typeface="ＭＳ Ｐゴシック" charset="0"/>
-            </a:endParaRPr>
-          </a:p>
-          <a:p>
             <a:pPr marL="342900" lvl="1" indent="0">
               <a:buNone/>
             </a:pPr>
@@ -25545,7 +25580,7 @@
               <a:t>Reactive </a:t>
             </a:r>
             <a:r>
-              <a:rPr lang="es-ES" sz="1600" b="1" smtClean="0"/>
+              <a:rPr lang="es-ES" sz="1600" b="1" dirty="0" err="1" smtClean="0"/>
               <a:t>Systems</a:t>
             </a:r>
             <a:endParaRPr lang="es-ES" sz="1600" b="1" dirty="0" smtClean="0"/>

--- a/presentations/05-spring-integrations.pptx
+++ b/presentations/05-spring-integrations.pptx
@@ -24197,17 +24197,23 @@
               <a:buNone/>
             </a:pPr>
             <a:r>
-              <a:rPr lang="en-US" sz="1000" dirty="0">
+              <a:rPr lang="en-US" sz="1050" dirty="0">
                 <a:hlinkClick r:id="rId3"/>
               </a:rPr>
               <a:t>https://</a:t>
             </a:r>
             <a:r>
-              <a:rPr lang="en-US" sz="1000" dirty="0" smtClean="0">
+              <a:rPr lang="en-US" sz="1050" dirty="0" smtClean="0">
                 <a:hlinkClick r:id="rId3"/>
               </a:rPr>
-              <a:t>raw.githubusercontent.com/Telefonica/sandas-authorization/master/src/consumers/deleter/src/main/resources/application.yml?token=ABEAXIYZGHGOP3NKHONVVIS44LWRW</a:t>
-            </a:r>
+              <a:t>github.com/Telefonica/cto-spring-webflux-training/blob/master/examples/spring-cloud-stream-kafka/src/main/resources/application.yml</a:t>
+            </a:r>
+            <a:endParaRPr lang="en-US" sz="1050" dirty="0" smtClean="0"/>
+          </a:p>
+          <a:p>
+            <a:pPr marL="342900" lvl="1" indent="0" algn="just">
+              <a:buNone/>
+            </a:pPr>
             <a:endParaRPr lang="en-US" sz="1000" dirty="0"/>
           </a:p>
         </p:txBody>
@@ -25356,7 +25362,7 @@
           <a:bodyPr/>
           <a:lstStyle/>
           <a:p>
-            <a:endParaRPr lang="en-US" dirty="0" smtClean="0"/>
+            <a:endParaRPr lang="en-US" sz="1800" dirty="0" smtClean="0"/>
           </a:p>
           <a:p>
             <a:r>
